--- a/Documentation/Technical Report/Resources/traffic_models.pptx
+++ b/Documentation/Technical Report/Resources/traffic_models.pptx
@@ -104,6 +104,11 @@
       </a:defRPr>
     </a:lvl9pPr>
   </p:defaultTextStyle>
+  <p:extLst>
+    <p:ext uri="{EFAFB233-063F-42B5-8137-9DF3F51BA10A}">
+      <p15:sldGuideLst xmlns:p15="http://schemas.microsoft.com/office/powerpoint/2012/main"/>
+    </p:ext>
+  </p:extLst>
 </p:presentation>
 </file>
 
@@ -235,7 +240,7 @@
           <a:lstStyle/>
           <a:p>
             <a:fld id="{830025B7-D91C-3549-A0F7-793F05AF60DB}" type="datetimeFigureOut">
-              <a:t>12/12/17</a:t>
+              <a:t>21/12/17</a:t>
             </a:fld>
             <a:endParaRPr lang="en-US"/>
           </a:p>
@@ -401,7 +406,7 @@
           <a:lstStyle/>
           <a:p>
             <a:fld id="{830025B7-D91C-3549-A0F7-793F05AF60DB}" type="datetimeFigureOut">
-              <a:t>12/12/17</a:t>
+              <a:t>21/12/17</a:t>
             </a:fld>
             <a:endParaRPr lang="en-US"/>
           </a:p>
@@ -577,7 +582,7 @@
           <a:lstStyle/>
           <a:p>
             <a:fld id="{830025B7-D91C-3549-A0F7-793F05AF60DB}" type="datetimeFigureOut">
-              <a:t>12/12/17</a:t>
+              <a:t>21/12/17</a:t>
             </a:fld>
             <a:endParaRPr lang="en-US"/>
           </a:p>
@@ -743,7 +748,7 @@
           <a:lstStyle/>
           <a:p>
             <a:fld id="{830025B7-D91C-3549-A0F7-793F05AF60DB}" type="datetimeFigureOut">
-              <a:t>12/12/17</a:t>
+              <a:t>21/12/17</a:t>
             </a:fld>
             <a:endParaRPr lang="en-US"/>
           </a:p>
@@ -986,7 +991,7 @@
           <a:lstStyle/>
           <a:p>
             <a:fld id="{830025B7-D91C-3549-A0F7-793F05AF60DB}" type="datetimeFigureOut">
-              <a:t>12/12/17</a:t>
+              <a:t>21/12/17</a:t>
             </a:fld>
             <a:endParaRPr lang="en-US"/>
           </a:p>
@@ -1213,7 +1218,7 @@
           <a:lstStyle/>
           <a:p>
             <a:fld id="{830025B7-D91C-3549-A0F7-793F05AF60DB}" type="datetimeFigureOut">
-              <a:t>12/12/17</a:t>
+              <a:t>21/12/17</a:t>
             </a:fld>
             <a:endParaRPr lang="en-US"/>
           </a:p>
@@ -1575,7 +1580,7 @@
           <a:lstStyle/>
           <a:p>
             <a:fld id="{830025B7-D91C-3549-A0F7-793F05AF60DB}" type="datetimeFigureOut">
-              <a:t>12/12/17</a:t>
+              <a:t>21/12/17</a:t>
             </a:fld>
             <a:endParaRPr lang="en-US"/>
           </a:p>
@@ -1690,7 +1695,7 @@
           <a:lstStyle/>
           <a:p>
             <a:fld id="{830025B7-D91C-3549-A0F7-793F05AF60DB}" type="datetimeFigureOut">
-              <a:t>12/12/17</a:t>
+              <a:t>21/12/17</a:t>
             </a:fld>
             <a:endParaRPr lang="en-US"/>
           </a:p>
@@ -1783,7 +1788,7 @@
           <a:lstStyle/>
           <a:p>
             <a:fld id="{830025B7-D91C-3549-A0F7-793F05AF60DB}" type="datetimeFigureOut">
-              <a:t>12/12/17</a:t>
+              <a:t>21/12/17</a:t>
             </a:fld>
             <a:endParaRPr lang="en-US"/>
           </a:p>
@@ -2056,7 +2061,7 @@
           <a:lstStyle/>
           <a:p>
             <a:fld id="{830025B7-D91C-3549-A0F7-793F05AF60DB}" type="datetimeFigureOut">
-              <a:t>12/12/17</a:t>
+              <a:t>21/12/17</a:t>
             </a:fld>
             <a:endParaRPr lang="en-US"/>
           </a:p>
@@ -2306,7 +2311,7 @@
           <a:lstStyle/>
           <a:p>
             <a:fld id="{830025B7-D91C-3549-A0F7-793F05AF60DB}" type="datetimeFigureOut">
-              <a:t>12/12/17</a:t>
+              <a:t>21/12/17</a:t>
             </a:fld>
             <a:endParaRPr lang="en-US"/>
           </a:p>
@@ -2515,7 +2520,7 @@
           </a:lstStyle>
           <a:p>
             <a:fld id="{830025B7-D91C-3549-A0F7-793F05AF60DB}" type="datetimeFigureOut">
-              <a:t>12/12/17</a:t>
+              <a:t>21/12/17</a:t>
             </a:fld>
             <a:endParaRPr lang="en-US"/>
           </a:p>
@@ -5288,8 +5293,8 @@
           </a:p>
         </p:txBody>
       </p:sp>
-      <mc:AlternateContent xmlns:mc="http://schemas.openxmlformats.org/markup-compatibility/2006">
-        <mc:Choice xmlns:a14="http://schemas.microsoft.com/office/drawing/2010/main" Requires="a14">
+      <mc:AlternateContent xmlns:mc="http://schemas.openxmlformats.org/markup-compatibility/2006" xmlns:a14="http://schemas.microsoft.com/office/drawing/2010/main">
+        <mc:Choice Requires="a14">
           <p:sp>
             <p:nvSpPr>
               <p:cNvPr id="485" name="TextBox 484"/>
@@ -5312,6 +5317,7 @@
               </a:bodyPr>
               <a:lstStyle/>
               <a:p>
+                <a:pPr/>
                 <a14:m>
                   <m:oMathPara xmlns:m="http://schemas.openxmlformats.org/officeDocument/2006/math">
                     <m:oMathParaPr>
@@ -5334,7 +5340,7 @@
             </p:txBody>
           </p:sp>
         </mc:Choice>
-        <mc:Fallback>
+        <mc:Fallback xmlns="">
           <p:sp>
             <p:nvSpPr>
               <p:cNvPr id="485" name="TextBox 484"/>
@@ -5373,8 +5379,8 @@
           </p:sp>
         </mc:Fallback>
       </mc:AlternateContent>
-      <mc:AlternateContent xmlns:mc="http://schemas.openxmlformats.org/markup-compatibility/2006">
-        <mc:Choice xmlns:a14="http://schemas.microsoft.com/office/drawing/2010/main" Requires="a14">
+      <mc:AlternateContent xmlns:mc="http://schemas.openxmlformats.org/markup-compatibility/2006" xmlns:a14="http://schemas.microsoft.com/office/drawing/2010/main">
+        <mc:Choice Requires="a14">
           <p:sp>
             <p:nvSpPr>
               <p:cNvPr id="486" name="TextBox 485"/>
@@ -5397,6 +5403,7 @@
               </a:bodyPr>
               <a:lstStyle/>
               <a:p>
+                <a:pPr/>
                 <a14:m>
                   <m:oMathPara xmlns:m="http://schemas.openxmlformats.org/officeDocument/2006/math">
                     <m:oMathParaPr>
@@ -5419,7 +5426,7 @@
             </p:txBody>
           </p:sp>
         </mc:Choice>
-        <mc:Fallback>
+        <mc:Fallback xmlns="">
           <p:sp>
             <p:nvSpPr>
               <p:cNvPr id="486" name="TextBox 485"/>
@@ -5458,8 +5465,8 @@
           </p:sp>
         </mc:Fallback>
       </mc:AlternateContent>
-      <mc:AlternateContent xmlns:mc="http://schemas.openxmlformats.org/markup-compatibility/2006">
-        <mc:Choice xmlns:a14="http://schemas.microsoft.com/office/drawing/2010/main" Requires="a14">
+      <mc:AlternateContent xmlns:mc="http://schemas.openxmlformats.org/markup-compatibility/2006" xmlns:a14="http://schemas.microsoft.com/office/drawing/2010/main">
+        <mc:Choice Requires="a14">
           <p:sp>
             <p:nvSpPr>
               <p:cNvPr id="487" name="TextBox 486"/>
@@ -5482,6 +5489,7 @@
               </a:bodyPr>
               <a:lstStyle/>
               <a:p>
+                <a:pPr/>
                 <a14:m>
                   <m:oMathPara xmlns:m="http://schemas.openxmlformats.org/officeDocument/2006/math">
                     <m:oMathParaPr>
@@ -5504,7 +5512,7 @@
             </p:txBody>
           </p:sp>
         </mc:Choice>
-        <mc:Fallback>
+        <mc:Fallback xmlns="">
           <p:sp>
             <p:nvSpPr>
               <p:cNvPr id="487" name="TextBox 486"/>
@@ -5543,8 +5551,8 @@
           </p:sp>
         </mc:Fallback>
       </mc:AlternateContent>
-      <mc:AlternateContent xmlns:mc="http://schemas.openxmlformats.org/markup-compatibility/2006">
-        <mc:Choice xmlns:a14="http://schemas.microsoft.com/office/drawing/2010/main" Requires="a14">
+      <mc:AlternateContent xmlns:mc="http://schemas.openxmlformats.org/markup-compatibility/2006" xmlns:a14="http://schemas.microsoft.com/office/drawing/2010/main">
+        <mc:Choice Requires="a14">
           <p:sp>
             <p:nvSpPr>
               <p:cNvPr id="488" name="TextBox 487"/>
@@ -5567,6 +5575,7 @@
               </a:bodyPr>
               <a:lstStyle/>
               <a:p>
+                <a:pPr/>
                 <a14:m>
                   <m:oMathPara xmlns:m="http://schemas.openxmlformats.org/officeDocument/2006/math">
                     <m:oMathParaPr>
@@ -5575,7 +5584,7 @@
                     <m:oMath xmlns:m="http://schemas.openxmlformats.org/officeDocument/2006/math">
                       <m:r>
                         <a:rPr lang="es-ES" sz="1600" b="0" i="1">
-                          <a:latin typeface="Times" charset="0"/>
+                          <a:latin typeface="Cambria Math" charset="0"/>
                           <a:ea typeface="Times" charset="0"/>
                           <a:cs typeface="Times" charset="0"/>
                         </a:rPr>
@@ -5583,7 +5592,7 @@
                       </m:r>
                       <m:r>
                         <a:rPr lang="en-US" sz="1600" i="1">
-                          <a:latin typeface="Times" charset="0"/>
+                          <a:latin typeface="Cambria Math" charset="0"/>
                           <a:ea typeface="Times" charset="0"/>
                           <a:cs typeface="Times" charset="0"/>
                         </a:rPr>
@@ -5601,7 +5610,7 @@
             </p:txBody>
           </p:sp>
         </mc:Choice>
-        <mc:Fallback>
+        <mc:Fallback xmlns="">
           <p:sp>
             <p:nvSpPr>
               <p:cNvPr id="488" name="TextBox 487"/>
@@ -5677,141 +5686,6 @@
           </a:fontRef>
         </p:style>
       </p:cxnSp>
-      <mc:AlternateContent xmlns:mc="http://schemas.openxmlformats.org/markup-compatibility/2006">
-        <mc:Choice xmlns:a14="http://schemas.microsoft.com/office/drawing/2010/main" Requires="a14">
-          <p:sp>
-            <p:nvSpPr>
-              <p:cNvPr id="497" name="TextBox 496"/>
-              <p:cNvSpPr txBox="1"/>
-              <p:nvPr/>
-            </p:nvSpPr>
-            <p:spPr>
-              <a:xfrm>
-                <a:off x="6701054" y="2751564"/>
-                <a:ext cx="442726" cy="365741"/>
-              </a:xfrm>
-              <a:prstGeom prst="rect">
-                <a:avLst/>
-              </a:prstGeom>
-              <a:noFill/>
-            </p:spPr>
-            <p:txBody>
-              <a:bodyPr wrap="square" lIns="0" tIns="0" rIns="0" bIns="0" rtlCol="0">
-                <a:spAutoFit/>
-              </a:bodyPr>
-              <a:lstStyle/>
-              <a:p>
-                <a14:m>
-                  <m:oMathPara xmlns:m="http://schemas.openxmlformats.org/officeDocument/2006/math">
-                    <m:oMathParaPr>
-                      <m:jc m:val="centerGroup"/>
-                    </m:oMathParaPr>
-                    <m:oMath xmlns:m="http://schemas.openxmlformats.org/officeDocument/2006/math">
-                      <m:sSup>
-                        <m:sSupPr>
-                          <m:ctrlPr>
-                            <a:rPr lang="es-ES" sz="1600" b="0" i="1">
-                              <a:latin typeface="Times" charset="0"/>
-                              <a:ea typeface="Times" charset="0"/>
-                              <a:cs typeface="Times" charset="0"/>
-                            </a:rPr>
-                          </m:ctrlPr>
-                        </m:sSupPr>
-                        <m:e>
-                          <m:r>
-                            <a:rPr lang="es-ES" sz="1600" b="0" i="1">
-                              <a:latin typeface="Times" charset="0"/>
-                              <a:ea typeface="Times" charset="0"/>
-                              <a:cs typeface="Times" charset="0"/>
-                            </a:rPr>
-                            <m:t>𝑒</m:t>
-                          </m:r>
-                        </m:e>
-                        <m:sup>
-                          <m:f>
-                            <m:fPr>
-                              <m:ctrlPr>
-                                <a:rPr lang="es-ES" sz="1600" b="0" i="1">
-                                  <a:latin typeface="Times" charset="0"/>
-                                  <a:ea typeface="Times" charset="0"/>
-                                  <a:cs typeface="Times" charset="0"/>
-                                </a:rPr>
-                              </m:ctrlPr>
-                            </m:fPr>
-                            <m:num>
-                              <m:r>
-                                <a:rPr lang="es-ES" sz="1600" b="0" i="1">
-                                  <a:latin typeface="Times" charset="0"/>
-                                  <a:ea typeface="Times" charset="0"/>
-                                  <a:cs typeface="Times" charset="0"/>
-                                </a:rPr>
-                                <m:t>1</m:t>
-                              </m:r>
-                            </m:num>
-                            <m:den>
-                              <m:r>
-                                <a:rPr lang="en-US" sz="1600" i="1">
-                                  <a:latin typeface="Times" charset="0"/>
-                                  <a:ea typeface="Times" charset="0"/>
-                                  <a:cs typeface="Times" charset="0"/>
-                                </a:rPr>
-                                <m:t>𝜆</m:t>
-                              </m:r>
-                            </m:den>
-                          </m:f>
-                        </m:sup>
-                      </m:sSup>
-                    </m:oMath>
-                  </m:oMathPara>
-                </a14:m>
-                <a:endParaRPr lang="en-US" sz="1600">
-                  <a:latin typeface="Times" charset="0"/>
-                  <a:ea typeface="Times" charset="0"/>
-                  <a:cs typeface="Times" charset="0"/>
-                </a:endParaRPr>
-              </a:p>
-            </p:txBody>
-          </p:sp>
-        </mc:Choice>
-        <mc:Fallback>
-          <p:sp>
-            <p:nvSpPr>
-              <p:cNvPr id="497" name="TextBox 496"/>
-              <p:cNvSpPr txBox="1">
-                <a:spLocks noRot="1" noChangeAspect="1" noMove="1" noResize="1" noEditPoints="1" noAdjustHandles="1" noChangeArrowheads="1" noChangeShapeType="1" noTextEdit="1"/>
-              </p:cNvSpPr>
-              <p:nvPr/>
-            </p:nvSpPr>
-            <p:spPr>
-              <a:xfrm>
-                <a:off x="6701054" y="2751564"/>
-                <a:ext cx="442726" cy="365741"/>
-              </a:xfrm>
-              <a:prstGeom prst="rect">
-                <a:avLst/>
-              </a:prstGeom>
-              <a:blipFill rotWithShape="0">
-                <a:blip r:embed="rId6"/>
-                <a:stretch>
-                  <a:fillRect/>
-                </a:stretch>
-              </a:blipFill>
-            </p:spPr>
-            <p:txBody>
-              <a:bodyPr/>
-              <a:lstStyle/>
-              <a:p>
-                <a:r>
-                  <a:rPr lang="en-US">
-                    <a:noFill/>
-                  </a:rPr>
-                  <a:t> </a:t>
-                </a:r>
-              </a:p>
-            </p:txBody>
-          </p:sp>
-        </mc:Fallback>
-      </mc:AlternateContent>
       <p:cxnSp>
         <p:nvCxnSpPr>
           <p:cNvPr id="498" name="Straight Arrow Connector 497"/>
@@ -5849,8 +5723,8 @@
           </a:fontRef>
         </p:style>
       </p:cxnSp>
-      <mc:AlternateContent xmlns:mc="http://schemas.openxmlformats.org/markup-compatibility/2006">
-        <mc:Choice xmlns:a14="http://schemas.microsoft.com/office/drawing/2010/main" Requires="a14">
+      <mc:AlternateContent xmlns:mc="http://schemas.openxmlformats.org/markup-compatibility/2006" xmlns:a14="http://schemas.microsoft.com/office/drawing/2010/main">
+        <mc:Choice Requires="a14">
           <p:sp>
             <p:nvSpPr>
               <p:cNvPr id="505" name="TextBox 504"/>
@@ -5873,6 +5747,7 @@
               </a:bodyPr>
               <a:lstStyle/>
               <a:p>
+                <a:pPr/>
                 <a14:m>
                   <m:oMathPara xmlns:m="http://schemas.openxmlformats.org/officeDocument/2006/math">
                     <m:oMathParaPr>
@@ -5881,7 +5756,7 @@
                     <m:oMath xmlns:m="http://schemas.openxmlformats.org/officeDocument/2006/math">
                       <m:r>
                         <a:rPr lang="es-ES" sz="1600" b="0" i="1">
-                          <a:latin typeface="Times" charset="0"/>
+                          <a:latin typeface="Cambria Math" charset="0"/>
                           <a:ea typeface="Times" charset="0"/>
                           <a:cs typeface="Times" charset="0"/>
                         </a:rPr>
@@ -5889,7 +5764,7 @@
                       </m:r>
                       <m:r>
                         <a:rPr lang="en-US" sz="1600" i="1">
-                          <a:latin typeface="Times" charset="0"/>
+                          <a:latin typeface="Cambria Math" charset="0"/>
                           <a:ea typeface="Times" charset="0"/>
                           <a:cs typeface="Times" charset="0"/>
                         </a:rPr>
@@ -5907,7 +5782,7 @@
             </p:txBody>
           </p:sp>
         </mc:Choice>
-        <mc:Fallback>
+        <mc:Fallback xmlns="">
           <p:sp>
             <p:nvSpPr>
               <p:cNvPr id="505" name="TextBox 504"/>
@@ -5983,8 +5858,8 @@
           </a:fontRef>
         </p:style>
       </p:cxnSp>
-      <mc:AlternateContent xmlns:mc="http://schemas.openxmlformats.org/markup-compatibility/2006">
-        <mc:Choice xmlns:a14="http://schemas.microsoft.com/office/drawing/2010/main" Requires="a14">
+      <mc:AlternateContent xmlns:mc="http://schemas.openxmlformats.org/markup-compatibility/2006" xmlns:a14="http://schemas.microsoft.com/office/drawing/2010/main">
+        <mc:Choice Requires="a14">
           <p:sp>
             <p:nvSpPr>
               <p:cNvPr id="507" name="TextBox 506"/>
@@ -6007,6 +5882,7 @@
               </a:bodyPr>
               <a:lstStyle/>
               <a:p>
+                <a:pPr/>
                 <a14:m>
                   <m:oMathPara xmlns:m="http://schemas.openxmlformats.org/officeDocument/2006/math">
                     <m:oMathParaPr>
@@ -6015,7 +5891,7 @@
                     <m:oMath xmlns:m="http://schemas.openxmlformats.org/officeDocument/2006/math">
                       <m:r>
                         <a:rPr lang="es-ES" sz="1600" b="0" i="1">
-                          <a:latin typeface="Times" charset="0"/>
+                          <a:latin typeface="Cambria Math" charset="0"/>
                           <a:ea typeface="Times" charset="0"/>
                           <a:cs typeface="Times" charset="0"/>
                         </a:rPr>
@@ -6023,7 +5899,7 @@
                       </m:r>
                       <m:r>
                         <a:rPr lang="en-US" sz="1600" i="1">
-                          <a:latin typeface="Times" charset="0"/>
+                          <a:latin typeface="Cambria Math" charset="0"/>
                           <a:ea typeface="Times" charset="0"/>
                           <a:cs typeface="Times" charset="0"/>
                         </a:rPr>
@@ -6041,7 +5917,7 @@
             </p:txBody>
           </p:sp>
         </mc:Choice>
-        <mc:Fallback>
+        <mc:Fallback xmlns="">
           <p:sp>
             <p:nvSpPr>
               <p:cNvPr id="507" name="TextBox 506"/>
@@ -6355,6 +6231,104 @@
           </a:fontRef>
         </p:style>
       </p:cxnSp>
+      <mc:AlternateContent xmlns:mc="http://schemas.openxmlformats.org/markup-compatibility/2006">
+        <mc:Choice xmlns:a14="http://schemas.microsoft.com/office/drawing/2010/main" Requires="a14">
+          <p:sp>
+            <p:nvSpPr>
+              <p:cNvPr id="80" name="TextBox 79"/>
+              <p:cNvSpPr txBox="1"/>
+              <p:nvPr/>
+            </p:nvSpPr>
+            <p:spPr>
+              <a:xfrm>
+                <a:off x="6706748" y="2753269"/>
+                <a:ext cx="375423" cy="246221"/>
+              </a:xfrm>
+              <a:prstGeom prst="rect">
+                <a:avLst/>
+              </a:prstGeom>
+              <a:noFill/>
+            </p:spPr>
+            <p:txBody>
+              <a:bodyPr wrap="none" lIns="0" tIns="0" rIns="0" bIns="0" rtlCol="0">
+                <a:spAutoFit/>
+              </a:bodyPr>
+              <a:lstStyle/>
+              <a:p>
+                <a:pPr/>
+                <a14:m>
+                  <m:oMathPara xmlns:m="http://schemas.openxmlformats.org/officeDocument/2006/math">
+                    <m:oMathParaPr>
+                      <m:jc m:val="centerGroup"/>
+                    </m:oMathParaPr>
+                    <m:oMath xmlns:m="http://schemas.openxmlformats.org/officeDocument/2006/math">
+                      <m:r>
+                        <a:rPr lang="es-ES" sz="1600" b="0" i="1">
+                          <a:latin typeface="Cambria Math" charset="0"/>
+                          <a:ea typeface="Times" charset="0"/>
+                          <a:cs typeface="Times" charset="0"/>
+                        </a:rPr>
+                        <m:t>1/</m:t>
+                      </m:r>
+                      <m:r>
+                        <a:rPr lang="en-US" sz="1600" i="1">
+                          <a:latin typeface="Cambria Math" charset="0"/>
+                          <a:ea typeface="Times" charset="0"/>
+                          <a:cs typeface="Times" charset="0"/>
+                        </a:rPr>
+                        <m:t>𝜆</m:t>
+                      </m:r>
+                    </m:oMath>
+                  </m:oMathPara>
+                </a14:m>
+                <a:endParaRPr lang="en-US" sz="1600">
+                  <a:latin typeface="Times" charset="0"/>
+                  <a:ea typeface="Times" charset="0"/>
+                  <a:cs typeface="Times" charset="0"/>
+                </a:endParaRPr>
+              </a:p>
+            </p:txBody>
+          </p:sp>
+        </mc:Choice>
+        <mc:Fallback>
+          <p:sp>
+            <p:nvSpPr>
+              <p:cNvPr id="80" name="TextBox 79"/>
+              <p:cNvSpPr txBox="1">
+                <a:spLocks noRot="1" noChangeAspect="1" noMove="1" noResize="1" noEditPoints="1" noAdjustHandles="1" noChangeArrowheads="1" noChangeShapeType="1" noTextEdit="1"/>
+              </p:cNvSpPr>
+              <p:nvPr/>
+            </p:nvSpPr>
+            <p:spPr>
+              <a:xfrm>
+                <a:off x="6706748" y="2753269"/>
+                <a:ext cx="375423" cy="246221"/>
+              </a:xfrm>
+              <a:prstGeom prst="rect">
+                <a:avLst/>
+              </a:prstGeom>
+              <a:blipFill rotWithShape="0">
+                <a:blip r:embed="rId9"/>
+                <a:stretch>
+                  <a:fillRect l="-11290" r="-9677" b="-32500"/>
+                </a:stretch>
+              </a:blipFill>
+            </p:spPr>
+            <p:txBody>
+              <a:bodyPr/>
+              <a:lstStyle/>
+              <a:p>
+                <a:r>
+                  <a:rPr lang="en-US">
+                    <a:noFill/>
+                  </a:rPr>
+                  <a:t> </a:t>
+                </a:r>
+              </a:p>
+            </p:txBody>
+          </p:sp>
+        </mc:Fallback>
+      </mc:AlternateContent>
     </p:spTree>
     <p:extLst>
       <p:ext uri="{BB962C8B-B14F-4D97-AF65-F5344CB8AC3E}">
